--- a/RTutorial_Presentation.pptx
+++ b/RTutorial_Presentation.pptx
@@ -3684,7 +3684,7 @@
           <p:cNvPr id="5" name="Picture 4">
             <a:extLst>
               <a:ext uri="{FF2B5EF4-FFF2-40B4-BE49-F238E27FC236}">
-                <a16:creationId xmlns="" xmlns:a16="http://schemas.microsoft.com/office/drawing/2014/main" id="{64519C5A-02F3-4510-94F3-7A8097CD5718}"/>
+                <a16:creationId xmlns:a16="http://schemas.microsoft.com/office/drawing/2014/main" xmlns="" id="{64519C5A-02F3-4510-94F3-7A8097CD5718}"/>
               </a:ext>
             </a:extLst>
           </p:cNvPr>
@@ -4775,13 +4775,8 @@
             </a:pPr>
             <a:r>
               <a:rPr lang="en-US" dirty="0" smtClean="0"/>
-              <a:t>So what do you </a:t>
-            </a:r>
-            <a:r>
-              <a:rPr lang="en-US" dirty="0" smtClean="0"/>
-              <a:t>think?</a:t>
-            </a:r>
-            <a:endParaRPr lang="en-US" dirty="0" smtClean="0"/>
+              <a:t>So what do you think?</a:t>
+            </a:r>
           </a:p>
           <a:p>
             <a:pPr marL="0" indent="0" algn="ctr">
@@ -4795,7 +4790,6 @@
               <a:rPr lang="en-US" dirty="0"/>
               <a:t>://pollev.com/vladkrotov187</a:t>
             </a:r>
-            <a:endParaRPr lang="en-US" dirty="0"/>
           </a:p>
           <a:p>
             <a:pPr marL="0" indent="0" algn="ctr">
@@ -5112,11 +5106,7 @@
             <a:pPr lvl="0"/>
             <a:r>
               <a:rPr lang="en-US" sz="3500" dirty="0" smtClean="0"/>
-              <a:t>LO11: </a:t>
-            </a:r>
-            <a:r>
-              <a:rPr lang="en-US" sz="3500" dirty="0" smtClean="0"/>
-              <a:t>Install </a:t>
+              <a:t>LO11: Install </a:t>
             </a:r>
             <a:r>
               <a:rPr lang="en-US" sz="3500" dirty="0"/>
@@ -5293,23 +5283,76 @@
             </a:r>
             <a:r>
               <a:rPr lang="en-US" dirty="0" smtClean="0"/>
-              <a:t> century” – says Harvard Business Review</a:t>
-            </a:r>
-          </a:p>
-          <a:p>
+              <a:t> </a:t>
+            </a:r>
             <a:r>
               <a:rPr lang="en-US" dirty="0" smtClean="0"/>
-              <a:t>According </a:t>
+              <a:t>century”</a:t>
+            </a:r>
+          </a:p>
+          <a:p>
+            <a:pPr lvl="3"/>
+            <a:r>
+              <a:rPr lang="en-US" sz="2400" dirty="0" smtClean="0">
+                <a:solidFill>
+                  <a:srgbClr val="8E9295"/>
+                </a:solidFill>
+              </a:rPr>
+              <a:t>Harvard </a:t>
+            </a:r>
+            <a:r>
+              <a:rPr lang="en-US" sz="2400" dirty="0" smtClean="0">
+                <a:solidFill>
+                  <a:srgbClr val="8E9295"/>
+                </a:solidFill>
+              </a:rPr>
+              <a:t>Business Review</a:t>
+            </a:r>
+          </a:p>
+          <a:p>
+            <a:r>
+              <a:rPr lang="en-US" dirty="0" smtClean="0"/>
+              <a:t>By 2018 </a:t>
             </a:r>
             <a:r>
               <a:rPr lang="en-US" dirty="0"/>
-              <a:t>to McKinsey, “By 2018 the U.S. alone will face a shortage of 140,000 to 190,000 people with deep analytical skills as well as 1.5 million managers and analysts to analyze big data and make </a:t>
+              <a:t>the U.S. alone will face a shortage </a:t>
             </a:r>
             <a:r>
               <a:rPr lang="en-US" dirty="0" smtClean="0"/>
-              <a:t>decisions”</a:t>
-            </a:r>
-            <a:endParaRPr lang="en-US" dirty="0"/>
+              <a:t>of</a:t>
+            </a:r>
+          </a:p>
+          <a:p>
+            <a:pPr lvl="1"/>
+            <a:r>
+              <a:rPr lang="en-US" dirty="0" smtClean="0"/>
+              <a:t>140,000 </a:t>
+            </a:r>
+            <a:r>
+              <a:rPr lang="en-US" dirty="0"/>
+              <a:t>to 190,000 people with deep analytical </a:t>
+            </a:r>
+            <a:r>
+              <a:rPr lang="en-US" dirty="0" smtClean="0"/>
+              <a:t>skill</a:t>
+            </a:r>
+          </a:p>
+          <a:p>
+            <a:pPr lvl="3"/>
+            <a:r>
+              <a:rPr lang="en-US" sz="2400" dirty="0" smtClean="0">
+                <a:solidFill>
+                  <a:srgbClr val="8E9295"/>
+                </a:solidFill>
+              </a:rPr>
+              <a:t>McKinsey &amp; Company</a:t>
+            </a:r>
+            <a:endParaRPr lang="en-US" sz="2400" dirty="0">
+              <a:solidFill>
+                <a:srgbClr val="8E9295"/>
+              </a:solidFill>
+            </a:endParaRPr>
           </a:p>
           <a:p>
             <a:endParaRPr lang="en-US" dirty="0" smtClean="0"/>
@@ -6219,7 +6262,7 @@
         </p:nvSpPr>
         <p:spPr>
           <a:xfrm>
-            <a:off x="6324600" y="2270879"/>
+            <a:off x="6324600" y="2286000"/>
             <a:ext cx="1934030" cy="3139321"/>
           </a:xfrm>
           <a:prstGeom prst="rect">
@@ -6574,22 +6617,34 @@
             </a:r>
             <a:r>
               <a:rPr lang="en-US" dirty="0" smtClean="0"/>
-              <a:t>storage of data</a:t>
-            </a:r>
-            <a:endParaRPr lang="en-US" dirty="0"/>
+              <a:t>storage </a:t>
+            </a:r>
+            <a:endParaRPr lang="en-US" dirty="0" smtClean="0"/>
           </a:p>
           <a:p>
             <a:pPr lvl="0"/>
             <a:r>
+              <a:rPr lang="en-US" dirty="0" smtClean="0"/>
+              <a:t>Built-in </a:t>
+            </a:r>
+            <a:r>
               <a:rPr lang="en-US" dirty="0"/>
-              <a:t>Built-in operators for calculations using arrays and matrices</a:t>
+              <a:t>operators for calculations using arrays and matrices</a:t>
             </a:r>
           </a:p>
           <a:p>
             <a:pPr lvl="0"/>
             <a:r>
               <a:rPr lang="en-US" dirty="0"/>
-              <a:t>Built-in collection of tools for basic and intermediate statistical analysis (e.g. descriptive statistics, regression, PLS, </a:t>
+              <a:t>Built-in collection of tools for basic and intermediate statistical analysis (e.g. descriptive statistics, regression, </a:t>
+            </a:r>
+            <a:r>
+              <a:rPr lang="en-US" dirty="0" smtClean="0"/>
+              <a:t>SEM</a:t>
+            </a:r>
+            <a:r>
+              <a:rPr lang="en-US" dirty="0" smtClean="0"/>
+              <a:t>, </a:t>
             </a:r>
             <a:r>
               <a:rPr lang="en-US" dirty="0" smtClean="0"/>

--- a/RTutorial_Presentation.pptx
+++ b/RTutorial_Presentation.pptx
@@ -223,7 +223,7 @@
           <a:p>
             <a:fld id="{5A004BFA-6942-4EC5-9AB2-FFE2FA76F9D4}" type="datetimeFigureOut">
               <a:rPr lang="en-US" smtClean="0"/>
-              <a:t>12/4/2017</a:t>
+              <a:t>12/7/2017</a:t>
             </a:fld>
             <a:endParaRPr lang="en-US" dirty="0"/>
           </a:p>
@@ -3684,7 +3684,7 @@
           <p:cNvPr id="5" name="Picture 4">
             <a:extLst>
               <a:ext uri="{FF2B5EF4-FFF2-40B4-BE49-F238E27FC236}">
-                <a16:creationId xmlns:a16="http://schemas.microsoft.com/office/drawing/2014/main" xmlns="" id="{64519C5A-02F3-4510-94F3-7A8097CD5718}"/>
+                <a16:creationId xmlns="" xmlns:a16="http://schemas.microsoft.com/office/drawing/2014/main" id="{64519C5A-02F3-4510-94F3-7A8097CD5718}"/>
               </a:ext>
             </a:extLst>
           </p:cNvPr>
@@ -5283,11 +5283,7 @@
             </a:r>
             <a:r>
               <a:rPr lang="en-US" dirty="0" smtClean="0"/>
-              <a:t> </a:t>
-            </a:r>
-            <a:r>
-              <a:rPr lang="en-US" dirty="0" smtClean="0"/>
-              <a:t>century”</a:t>
+              <a:t> century”</a:t>
             </a:r>
           </a:p>
           <a:p>
@@ -5298,15 +5294,7 @@
                   <a:srgbClr val="8E9295"/>
                 </a:solidFill>
               </a:rPr>
-              <a:t>Harvard </a:t>
-            </a:r>
-            <a:r>
-              <a:rPr lang="en-US" sz="2400" dirty="0" smtClean="0">
-                <a:solidFill>
-                  <a:srgbClr val="8E9295"/>
-                </a:solidFill>
-              </a:rPr>
-              <a:t>Business Review</a:t>
+              <a:t>Harvard Business Review</a:t>
             </a:r>
           </a:p>
           <a:p>
@@ -6619,7 +6607,6 @@
               <a:rPr lang="en-US" dirty="0" smtClean="0"/>
               <a:t>storage </a:t>
             </a:r>
-            <a:endParaRPr lang="en-US" dirty="0" smtClean="0"/>
           </a:p>
           <a:p>
             <a:pPr lvl="0"/>
@@ -6635,20 +6622,16 @@
           <a:p>
             <a:pPr lvl="0"/>
             <a:r>
+              <a:rPr lang="en-US" dirty="0" smtClean="0"/>
+              <a:t>Tools </a:t>
+            </a:r>
+            <a:r>
               <a:rPr lang="en-US" dirty="0"/>
-              <a:t>Built-in collection of tools for basic and intermediate statistical analysis (e.g. descriptive statistics, regression, </a:t>
+              <a:t>for basic and intermediate statistical analysis (e.g. descriptive statistics, regression, </a:t>
             </a:r>
             <a:r>
               <a:rPr lang="en-US" dirty="0" smtClean="0"/>
-              <a:t>SEM</a:t>
-            </a:r>
-            <a:r>
-              <a:rPr lang="en-US" dirty="0" smtClean="0"/>
-              <a:t>, </a:t>
-            </a:r>
-            <a:r>
-              <a:rPr lang="en-US" dirty="0" smtClean="0"/>
-              <a:t>data mining, machine learning, etc</a:t>
+              <a:t>SEM, data mining, machine learning, etc</a:t>
             </a:r>
             <a:r>
               <a:rPr lang="en-US" dirty="0"/>
